--- a/Doc/ESP32.pptx
+++ b/Doc/ESP32.pptx
@@ -114,6 +114,12 @@
 </p:presentation>
 </file>
 
+<file path=ppt/authors.xml><?xml version="1.0" encoding="utf-8"?>
+<p188:authorLst xmlns:a="http://schemas.openxmlformats.org/drawingml/2006/main" xmlns:r="http://schemas.openxmlformats.org/officeDocument/2006/relationships" xmlns:p188="http://schemas.microsoft.com/office/powerpoint/2018/8/main">
+  <p188:author id="{B5A6AD9A-7C1F-694E-DF41-3BCB21F9369A}" name="JORDI QUERALTÓ PÉREZ" initials="JQ" userId="S::jquerape20@alumnes.ub.edu::cf3f56fc-b8fb-4a13-a8dc-31af5e1c8083" providerId="AD"/>
+</p188:authorLst>
+</file>
+
 <file path=ppt/revisionInfo.xml><?xml version="1.0" encoding="utf-8"?>
 <p1510:revInfo xmlns:a="http://schemas.openxmlformats.org/drawingml/2006/main" xmlns:r="http://schemas.openxmlformats.org/officeDocument/2006/relationships" xmlns:p1510="http://schemas.microsoft.com/office/powerpoint/2015/10/main">
   <p1510:revLst>
@@ -124,6 +130,120 @@
 
 <file path=ppt/changesInfos/changesInfo1.xml><?xml version="1.0" encoding="utf-8"?>
 <pc:chgInfo xmlns:a="http://schemas.openxmlformats.org/drawingml/2006/main" xmlns:r="http://schemas.openxmlformats.org/officeDocument/2006/relationships" xmlns:ac="http://schemas.microsoft.com/office/drawing/2013/main/command" xmlns:pc="http://schemas.microsoft.com/office/powerpoint/2013/main/command">
+  <pc:docChgLst>
+    <pc:chgData name="Dr. Manel Puig i Vidal" userId="0d549d0e-cb25-4ad8-b3a5-db046c349dfe" providerId="ADAL" clId="{8F19AE49-CED4-4E09-8B0A-F362924A50A8}"/>
+    <pc:docChg chg="custSel addSld modSld sldOrd modMainMaster">
+      <pc:chgData name="Dr. Manel Puig i Vidal" userId="0d549d0e-cb25-4ad8-b3a5-db046c349dfe" providerId="ADAL" clId="{8F19AE49-CED4-4E09-8B0A-F362924A50A8}" dt="2025-01-07T20:43:03.522" v="884" actId="20577"/>
+      <pc:docMkLst>
+        <pc:docMk/>
+      </pc:docMkLst>
+      <pc:sldChg chg="addSp modSp new mod">
+        <pc:chgData name="Dr. Manel Puig i Vidal" userId="0d549d0e-cb25-4ad8-b3a5-db046c349dfe" providerId="ADAL" clId="{8F19AE49-CED4-4E09-8B0A-F362924A50A8}" dt="2025-01-07T17:02:13.934" v="40" actId="113"/>
+        <pc:sldMkLst>
+          <pc:docMk/>
+          <pc:sldMk cId="406178355" sldId="256"/>
+        </pc:sldMkLst>
+      </pc:sldChg>
+      <pc:sldChg chg="addSp delSp modSp add mod">
+        <pc:chgData name="Dr. Manel Puig i Vidal" userId="0d549d0e-cb25-4ad8-b3a5-db046c349dfe" providerId="ADAL" clId="{8F19AE49-CED4-4E09-8B0A-F362924A50A8}" dt="2025-01-07T18:19:50.152" v="155" actId="2711"/>
+        <pc:sldMkLst>
+          <pc:docMk/>
+          <pc:sldMk cId="64809998" sldId="351"/>
+        </pc:sldMkLst>
+      </pc:sldChg>
+      <pc:sldChg chg="addSp delSp modSp new mod">
+        <pc:chgData name="Dr. Manel Puig i Vidal" userId="0d549d0e-cb25-4ad8-b3a5-db046c349dfe" providerId="ADAL" clId="{8F19AE49-CED4-4E09-8B0A-F362924A50A8}" dt="2025-01-07T18:56:32.918" v="332" actId="1076"/>
+        <pc:sldMkLst>
+          <pc:docMk/>
+          <pc:sldMk cId="2860579076" sldId="352"/>
+        </pc:sldMkLst>
+      </pc:sldChg>
+      <pc:sldChg chg="addSp delSp modSp add mod ord">
+        <pc:chgData name="Dr. Manel Puig i Vidal" userId="0d549d0e-cb25-4ad8-b3a5-db046c349dfe" providerId="ADAL" clId="{8F19AE49-CED4-4E09-8B0A-F362924A50A8}" dt="2025-01-07T18:35:46.252" v="297" actId="11"/>
+        <pc:sldMkLst>
+          <pc:docMk/>
+          <pc:sldMk cId="3869370634" sldId="353"/>
+        </pc:sldMkLst>
+      </pc:sldChg>
+      <pc:sldChg chg="addSp modSp new mod">
+        <pc:chgData name="Dr. Manel Puig i Vidal" userId="0d549d0e-cb25-4ad8-b3a5-db046c349dfe" providerId="ADAL" clId="{8F19AE49-CED4-4E09-8B0A-F362924A50A8}" dt="2025-01-07T19:27:47.396" v="438" actId="1076"/>
+        <pc:sldMkLst>
+          <pc:docMk/>
+          <pc:sldMk cId="2176756607" sldId="354"/>
+        </pc:sldMkLst>
+      </pc:sldChg>
+      <pc:sldChg chg="addSp modSp new mod">
+        <pc:chgData name="Dr. Manel Puig i Vidal" userId="0d549d0e-cb25-4ad8-b3a5-db046c349dfe" providerId="ADAL" clId="{8F19AE49-CED4-4E09-8B0A-F362924A50A8}" dt="2025-01-07T20:43:03.522" v="884" actId="20577"/>
+        <pc:sldMkLst>
+          <pc:docMk/>
+          <pc:sldMk cId="3026758067" sldId="355"/>
+        </pc:sldMkLst>
+      </pc:sldChg>
+      <pc:sldMasterChg chg="modSp modSldLayout">
+        <pc:chgData name="Dr. Manel Puig i Vidal" userId="0d549d0e-cb25-4ad8-b3a5-db046c349dfe" providerId="ADAL" clId="{8F19AE49-CED4-4E09-8B0A-F362924A50A8}" dt="2025-01-07T17:01:14.483" v="2"/>
+        <pc:sldMasterMkLst>
+          <pc:docMk/>
+          <pc:sldMasterMk cId="1231820426" sldId="2147483648"/>
+        </pc:sldMasterMkLst>
+        <pc:sldLayoutChg chg="modSp">
+          <pc:chgData name="Dr. Manel Puig i Vidal" userId="0d549d0e-cb25-4ad8-b3a5-db046c349dfe" providerId="ADAL" clId="{8F19AE49-CED4-4E09-8B0A-F362924A50A8}" dt="2025-01-07T17:01:14.483" v="2"/>
+          <pc:sldLayoutMkLst>
+            <pc:docMk/>
+            <pc:sldMasterMk cId="1231820426" sldId="2147483648"/>
+            <pc:sldLayoutMk cId="4106864960" sldId="2147483649"/>
+          </pc:sldLayoutMkLst>
+        </pc:sldLayoutChg>
+        <pc:sldLayoutChg chg="modSp">
+          <pc:chgData name="Dr. Manel Puig i Vidal" userId="0d549d0e-cb25-4ad8-b3a5-db046c349dfe" providerId="ADAL" clId="{8F19AE49-CED4-4E09-8B0A-F362924A50A8}" dt="2025-01-07T17:01:14.483" v="2"/>
+          <pc:sldLayoutMkLst>
+            <pc:docMk/>
+            <pc:sldMasterMk cId="1231820426" sldId="2147483648"/>
+            <pc:sldLayoutMk cId="440300084" sldId="2147483651"/>
+          </pc:sldLayoutMkLst>
+        </pc:sldLayoutChg>
+        <pc:sldLayoutChg chg="modSp">
+          <pc:chgData name="Dr. Manel Puig i Vidal" userId="0d549d0e-cb25-4ad8-b3a5-db046c349dfe" providerId="ADAL" clId="{8F19AE49-CED4-4E09-8B0A-F362924A50A8}" dt="2025-01-07T17:01:14.483" v="2"/>
+          <pc:sldLayoutMkLst>
+            <pc:docMk/>
+            <pc:sldMasterMk cId="1231820426" sldId="2147483648"/>
+            <pc:sldLayoutMk cId="4092604956" sldId="2147483652"/>
+          </pc:sldLayoutMkLst>
+        </pc:sldLayoutChg>
+        <pc:sldLayoutChg chg="modSp">
+          <pc:chgData name="Dr. Manel Puig i Vidal" userId="0d549d0e-cb25-4ad8-b3a5-db046c349dfe" providerId="ADAL" clId="{8F19AE49-CED4-4E09-8B0A-F362924A50A8}" dt="2025-01-07T17:01:14.483" v="2"/>
+          <pc:sldLayoutMkLst>
+            <pc:docMk/>
+            <pc:sldMasterMk cId="1231820426" sldId="2147483648"/>
+            <pc:sldLayoutMk cId="205667071" sldId="2147483653"/>
+          </pc:sldLayoutMkLst>
+        </pc:sldLayoutChg>
+        <pc:sldLayoutChg chg="modSp">
+          <pc:chgData name="Dr. Manel Puig i Vidal" userId="0d549d0e-cb25-4ad8-b3a5-db046c349dfe" providerId="ADAL" clId="{8F19AE49-CED4-4E09-8B0A-F362924A50A8}" dt="2025-01-07T17:01:14.483" v="2"/>
+          <pc:sldLayoutMkLst>
+            <pc:docMk/>
+            <pc:sldMasterMk cId="1231820426" sldId="2147483648"/>
+            <pc:sldLayoutMk cId="1385272746" sldId="2147483656"/>
+          </pc:sldLayoutMkLst>
+        </pc:sldLayoutChg>
+        <pc:sldLayoutChg chg="modSp">
+          <pc:chgData name="Dr. Manel Puig i Vidal" userId="0d549d0e-cb25-4ad8-b3a5-db046c349dfe" providerId="ADAL" clId="{8F19AE49-CED4-4E09-8B0A-F362924A50A8}" dt="2025-01-07T17:01:14.483" v="2"/>
+          <pc:sldLayoutMkLst>
+            <pc:docMk/>
+            <pc:sldMasterMk cId="1231820426" sldId="2147483648"/>
+            <pc:sldLayoutMk cId="2678850688" sldId="2147483657"/>
+          </pc:sldLayoutMkLst>
+        </pc:sldLayoutChg>
+        <pc:sldLayoutChg chg="modSp">
+          <pc:chgData name="Dr. Manel Puig i Vidal" userId="0d549d0e-cb25-4ad8-b3a5-db046c349dfe" providerId="ADAL" clId="{8F19AE49-CED4-4E09-8B0A-F362924A50A8}" dt="2025-01-07T17:01:14.483" v="2"/>
+          <pc:sldLayoutMkLst>
+            <pc:docMk/>
+            <pc:sldMasterMk cId="1231820426" sldId="2147483648"/>
+            <pc:sldLayoutMk cId="3440907611" sldId="2147483659"/>
+          </pc:sldLayoutMkLst>
+        </pc:sldLayoutChg>
+      </pc:sldMasterChg>
+    </pc:docChg>
+  </pc:docChgLst>
   <pc:docChgLst>
     <pc:chgData name="Dr. Manel Puig i Vidal" userId="0d549d0e-cb25-4ad8-b3a5-db046c349dfe" providerId="ADAL" clId="{696C6221-C973-4610-AA7A-532CCEBF8908}"/>
     <pc:docChg chg="custSel addSld delSld modSld">
@@ -404,121 +524,28 @@
       </pc:sldChg>
     </pc:docChg>
   </pc:docChgLst>
-  <pc:docChgLst>
-    <pc:chgData name="Dr. Manel Puig i Vidal" userId="0d549d0e-cb25-4ad8-b3a5-db046c349dfe" providerId="ADAL" clId="{8F19AE49-CED4-4E09-8B0A-F362924A50A8}"/>
-    <pc:docChg chg="custSel addSld modSld sldOrd modMainMaster">
-      <pc:chgData name="Dr. Manel Puig i Vidal" userId="0d549d0e-cb25-4ad8-b3a5-db046c349dfe" providerId="ADAL" clId="{8F19AE49-CED4-4E09-8B0A-F362924A50A8}" dt="2025-01-07T20:43:03.522" v="884" actId="20577"/>
-      <pc:docMkLst>
-        <pc:docMk/>
-      </pc:docMkLst>
-      <pc:sldChg chg="addSp modSp new mod">
-        <pc:chgData name="Dr. Manel Puig i Vidal" userId="0d549d0e-cb25-4ad8-b3a5-db046c349dfe" providerId="ADAL" clId="{8F19AE49-CED4-4E09-8B0A-F362924A50A8}" dt="2025-01-07T17:02:13.934" v="40" actId="113"/>
-        <pc:sldMkLst>
-          <pc:docMk/>
-          <pc:sldMk cId="406178355" sldId="256"/>
-        </pc:sldMkLst>
-      </pc:sldChg>
-      <pc:sldChg chg="addSp delSp modSp add mod">
-        <pc:chgData name="Dr. Manel Puig i Vidal" userId="0d549d0e-cb25-4ad8-b3a5-db046c349dfe" providerId="ADAL" clId="{8F19AE49-CED4-4E09-8B0A-F362924A50A8}" dt="2025-01-07T18:19:50.152" v="155" actId="2711"/>
-        <pc:sldMkLst>
-          <pc:docMk/>
-          <pc:sldMk cId="64809998" sldId="351"/>
-        </pc:sldMkLst>
-      </pc:sldChg>
-      <pc:sldChg chg="addSp delSp modSp new mod">
-        <pc:chgData name="Dr. Manel Puig i Vidal" userId="0d549d0e-cb25-4ad8-b3a5-db046c349dfe" providerId="ADAL" clId="{8F19AE49-CED4-4E09-8B0A-F362924A50A8}" dt="2025-01-07T18:56:32.918" v="332" actId="1076"/>
-        <pc:sldMkLst>
-          <pc:docMk/>
-          <pc:sldMk cId="2860579076" sldId="352"/>
-        </pc:sldMkLst>
-      </pc:sldChg>
-      <pc:sldChg chg="addSp delSp modSp add mod ord">
-        <pc:chgData name="Dr. Manel Puig i Vidal" userId="0d549d0e-cb25-4ad8-b3a5-db046c349dfe" providerId="ADAL" clId="{8F19AE49-CED4-4E09-8B0A-F362924A50A8}" dt="2025-01-07T18:35:46.252" v="297" actId="11"/>
-        <pc:sldMkLst>
-          <pc:docMk/>
-          <pc:sldMk cId="3869370634" sldId="353"/>
-        </pc:sldMkLst>
-      </pc:sldChg>
-      <pc:sldChg chg="addSp modSp new mod">
-        <pc:chgData name="Dr. Manel Puig i Vidal" userId="0d549d0e-cb25-4ad8-b3a5-db046c349dfe" providerId="ADAL" clId="{8F19AE49-CED4-4E09-8B0A-F362924A50A8}" dt="2025-01-07T19:27:47.396" v="438" actId="1076"/>
-        <pc:sldMkLst>
-          <pc:docMk/>
-          <pc:sldMk cId="2176756607" sldId="354"/>
-        </pc:sldMkLst>
-      </pc:sldChg>
-      <pc:sldChg chg="addSp modSp new mod">
-        <pc:chgData name="Dr. Manel Puig i Vidal" userId="0d549d0e-cb25-4ad8-b3a5-db046c349dfe" providerId="ADAL" clId="{8F19AE49-CED4-4E09-8B0A-F362924A50A8}" dt="2025-01-07T20:43:03.522" v="884" actId="20577"/>
-        <pc:sldMkLst>
-          <pc:docMk/>
-          <pc:sldMk cId="3026758067" sldId="355"/>
-        </pc:sldMkLst>
-      </pc:sldChg>
-      <pc:sldMasterChg chg="modSp modSldLayout">
-        <pc:chgData name="Dr. Manel Puig i Vidal" userId="0d549d0e-cb25-4ad8-b3a5-db046c349dfe" providerId="ADAL" clId="{8F19AE49-CED4-4E09-8B0A-F362924A50A8}" dt="2025-01-07T17:01:14.483" v="2"/>
-        <pc:sldMasterMkLst>
-          <pc:docMk/>
-          <pc:sldMasterMk cId="1231820426" sldId="2147483648"/>
-        </pc:sldMasterMkLst>
-        <pc:sldLayoutChg chg="modSp">
-          <pc:chgData name="Dr. Manel Puig i Vidal" userId="0d549d0e-cb25-4ad8-b3a5-db046c349dfe" providerId="ADAL" clId="{8F19AE49-CED4-4E09-8B0A-F362924A50A8}" dt="2025-01-07T17:01:14.483" v="2"/>
-          <pc:sldLayoutMkLst>
-            <pc:docMk/>
-            <pc:sldMasterMk cId="1231820426" sldId="2147483648"/>
-            <pc:sldLayoutMk cId="4106864960" sldId="2147483649"/>
-          </pc:sldLayoutMkLst>
-        </pc:sldLayoutChg>
-        <pc:sldLayoutChg chg="modSp">
-          <pc:chgData name="Dr. Manel Puig i Vidal" userId="0d549d0e-cb25-4ad8-b3a5-db046c349dfe" providerId="ADAL" clId="{8F19AE49-CED4-4E09-8B0A-F362924A50A8}" dt="2025-01-07T17:01:14.483" v="2"/>
-          <pc:sldLayoutMkLst>
-            <pc:docMk/>
-            <pc:sldMasterMk cId="1231820426" sldId="2147483648"/>
-            <pc:sldLayoutMk cId="440300084" sldId="2147483651"/>
-          </pc:sldLayoutMkLst>
-        </pc:sldLayoutChg>
-        <pc:sldLayoutChg chg="modSp">
-          <pc:chgData name="Dr. Manel Puig i Vidal" userId="0d549d0e-cb25-4ad8-b3a5-db046c349dfe" providerId="ADAL" clId="{8F19AE49-CED4-4E09-8B0A-F362924A50A8}" dt="2025-01-07T17:01:14.483" v="2"/>
-          <pc:sldLayoutMkLst>
-            <pc:docMk/>
-            <pc:sldMasterMk cId="1231820426" sldId="2147483648"/>
-            <pc:sldLayoutMk cId="4092604956" sldId="2147483652"/>
-          </pc:sldLayoutMkLst>
-        </pc:sldLayoutChg>
-        <pc:sldLayoutChg chg="modSp">
-          <pc:chgData name="Dr. Manel Puig i Vidal" userId="0d549d0e-cb25-4ad8-b3a5-db046c349dfe" providerId="ADAL" clId="{8F19AE49-CED4-4E09-8B0A-F362924A50A8}" dt="2025-01-07T17:01:14.483" v="2"/>
-          <pc:sldLayoutMkLst>
-            <pc:docMk/>
-            <pc:sldMasterMk cId="1231820426" sldId="2147483648"/>
-            <pc:sldLayoutMk cId="205667071" sldId="2147483653"/>
-          </pc:sldLayoutMkLst>
-        </pc:sldLayoutChg>
-        <pc:sldLayoutChg chg="modSp">
-          <pc:chgData name="Dr. Manel Puig i Vidal" userId="0d549d0e-cb25-4ad8-b3a5-db046c349dfe" providerId="ADAL" clId="{8F19AE49-CED4-4E09-8B0A-F362924A50A8}" dt="2025-01-07T17:01:14.483" v="2"/>
-          <pc:sldLayoutMkLst>
-            <pc:docMk/>
-            <pc:sldMasterMk cId="1231820426" sldId="2147483648"/>
-            <pc:sldLayoutMk cId="1385272746" sldId="2147483656"/>
-          </pc:sldLayoutMkLst>
-        </pc:sldLayoutChg>
-        <pc:sldLayoutChg chg="modSp">
-          <pc:chgData name="Dr. Manel Puig i Vidal" userId="0d549d0e-cb25-4ad8-b3a5-db046c349dfe" providerId="ADAL" clId="{8F19AE49-CED4-4E09-8B0A-F362924A50A8}" dt="2025-01-07T17:01:14.483" v="2"/>
-          <pc:sldLayoutMkLst>
-            <pc:docMk/>
-            <pc:sldMasterMk cId="1231820426" sldId="2147483648"/>
-            <pc:sldLayoutMk cId="2678850688" sldId="2147483657"/>
-          </pc:sldLayoutMkLst>
-        </pc:sldLayoutChg>
-        <pc:sldLayoutChg chg="modSp">
-          <pc:chgData name="Dr. Manel Puig i Vidal" userId="0d549d0e-cb25-4ad8-b3a5-db046c349dfe" providerId="ADAL" clId="{8F19AE49-CED4-4E09-8B0A-F362924A50A8}" dt="2025-01-07T17:01:14.483" v="2"/>
-          <pc:sldLayoutMkLst>
-            <pc:docMk/>
-            <pc:sldMasterMk cId="1231820426" sldId="2147483648"/>
-            <pc:sldLayoutMk cId="3440907611" sldId="2147483659"/>
-          </pc:sldLayoutMkLst>
-        </pc:sldLayoutChg>
-      </pc:sldMasterChg>
-    </pc:docChg>
-  </pc:docChgLst>
 </pc:chgInfo>
+</file>
+
+<file path=ppt/comments/modernComment_166_9A70A0D4.xml><?xml version="1.0" encoding="utf-8"?>
+<p188:cmLst xmlns:a="http://schemas.openxmlformats.org/drawingml/2006/main" xmlns:r="http://schemas.openxmlformats.org/officeDocument/2006/relationships" xmlns:p188="http://schemas.microsoft.com/office/powerpoint/2018/8/main">
+  <p188:cm id="{AC4349C6-222C-4660-AC8F-CE6BD0807C3E}" authorId="{B5A6AD9A-7C1F-694E-DF41-3BCB21F9369A}" created="2025-02-19T00:05:09.274">
+    <pc:sldMkLst xmlns:pc="http://schemas.microsoft.com/office/powerpoint/2013/main/command">
+      <pc:docMk/>
+      <pc:sldMk cId="2591072468" sldId="358"/>
+    </pc:sldMkLst>
+    <p188:txBody>
+      <a:bodyPr/>
+      <a:lstStyle/>
+      <a:p>
+        <a:r>
+          <a:rPr lang="es-ES"/>
+          <a:t>hola</a:t>
+        </a:r>
+      </a:p>
+    </p188:txBody>
+  </p188:cm>
+</p188:cmLst>
 </file>
 
 <file path=ppt/slideLayouts/slideLayout1.xml><?xml version="1.0" encoding="utf-8"?>
@@ -652,7 +679,7 @@
           <a:p>
             <a:fld id="{0AF811FA-9E99-4BD6-BDB1-D476B95AB925}" type="datetimeFigureOut">
               <a:rPr lang="en-GB" smtClean="0"/>
-              <a:t>06/02/2025</a:t>
+              <a:t>19/02/2025</a:t>
             </a:fld>
             <a:endParaRPr lang="en-GB"/>
           </a:p>
@@ -694,7 +721,7 @@
           <a:p>
             <a:fld id="{DA140283-5383-4364-BFA2-E725385003A9}" type="slidenum">
               <a:rPr lang="en-GB" smtClean="0"/>
-              <a:t>‹#›</a:t>
+              <a:t>‹Nº›</a:t>
             </a:fld>
             <a:endParaRPr lang="en-GB"/>
           </a:p>
@@ -822,7 +849,7 @@
           <a:p>
             <a:fld id="{0AF811FA-9E99-4BD6-BDB1-D476B95AB925}" type="datetimeFigureOut">
               <a:rPr lang="en-GB" smtClean="0"/>
-              <a:t>06/02/2025</a:t>
+              <a:t>19/02/2025</a:t>
             </a:fld>
             <a:endParaRPr lang="en-GB"/>
           </a:p>
@@ -864,7 +891,7 @@
           <a:p>
             <a:fld id="{DA140283-5383-4364-BFA2-E725385003A9}" type="slidenum">
               <a:rPr lang="en-GB" smtClean="0"/>
-              <a:t>‹#›</a:t>
+              <a:t>‹Nº›</a:t>
             </a:fld>
             <a:endParaRPr lang="en-GB"/>
           </a:p>
@@ -1002,7 +1029,7 @@
           <a:p>
             <a:fld id="{0AF811FA-9E99-4BD6-BDB1-D476B95AB925}" type="datetimeFigureOut">
               <a:rPr lang="en-GB" smtClean="0"/>
-              <a:t>06/02/2025</a:t>
+              <a:t>19/02/2025</a:t>
             </a:fld>
             <a:endParaRPr lang="en-GB"/>
           </a:p>
@@ -1044,7 +1071,7 @@
           <a:p>
             <a:fld id="{DA140283-5383-4364-BFA2-E725385003A9}" type="slidenum">
               <a:rPr lang="en-GB" smtClean="0"/>
-              <a:t>‹#›</a:t>
+              <a:t>‹Nº›</a:t>
             </a:fld>
             <a:endParaRPr lang="en-GB"/>
           </a:p>
@@ -1172,7 +1199,7 @@
           <a:p>
             <a:fld id="{0AF811FA-9E99-4BD6-BDB1-D476B95AB925}" type="datetimeFigureOut">
               <a:rPr lang="en-GB" smtClean="0"/>
-              <a:t>06/02/2025</a:t>
+              <a:t>19/02/2025</a:t>
             </a:fld>
             <a:endParaRPr lang="en-GB"/>
           </a:p>
@@ -1214,7 +1241,7 @@
           <a:p>
             <a:fld id="{DA140283-5383-4364-BFA2-E725385003A9}" type="slidenum">
               <a:rPr lang="en-GB" smtClean="0"/>
-              <a:t>‹#›</a:t>
+              <a:t>‹Nº›</a:t>
             </a:fld>
             <a:endParaRPr lang="en-GB"/>
           </a:p>
@@ -1418,7 +1445,7 @@
           <a:p>
             <a:fld id="{0AF811FA-9E99-4BD6-BDB1-D476B95AB925}" type="datetimeFigureOut">
               <a:rPr lang="en-GB" smtClean="0"/>
-              <a:t>06/02/2025</a:t>
+              <a:t>19/02/2025</a:t>
             </a:fld>
             <a:endParaRPr lang="en-GB"/>
           </a:p>
@@ -1460,7 +1487,7 @@
           <a:p>
             <a:fld id="{DA140283-5383-4364-BFA2-E725385003A9}" type="slidenum">
               <a:rPr lang="en-GB" smtClean="0"/>
-              <a:t>‹#›</a:t>
+              <a:t>‹Nº›</a:t>
             </a:fld>
             <a:endParaRPr lang="en-GB"/>
           </a:p>
@@ -1650,7 +1677,7 @@
           <a:p>
             <a:fld id="{0AF811FA-9E99-4BD6-BDB1-D476B95AB925}" type="datetimeFigureOut">
               <a:rPr lang="en-GB" smtClean="0"/>
-              <a:t>06/02/2025</a:t>
+              <a:t>19/02/2025</a:t>
             </a:fld>
             <a:endParaRPr lang="en-GB"/>
           </a:p>
@@ -1692,7 +1719,7 @@
           <a:p>
             <a:fld id="{DA140283-5383-4364-BFA2-E725385003A9}" type="slidenum">
               <a:rPr lang="en-GB" smtClean="0"/>
-              <a:t>‹#›</a:t>
+              <a:t>‹Nº›</a:t>
             </a:fld>
             <a:endParaRPr lang="en-GB"/>
           </a:p>
@@ -2017,7 +2044,7 @@
           <a:p>
             <a:fld id="{0AF811FA-9E99-4BD6-BDB1-D476B95AB925}" type="datetimeFigureOut">
               <a:rPr lang="en-GB" smtClean="0"/>
-              <a:t>06/02/2025</a:t>
+              <a:t>19/02/2025</a:t>
             </a:fld>
             <a:endParaRPr lang="en-GB"/>
           </a:p>
@@ -2059,7 +2086,7 @@
           <a:p>
             <a:fld id="{DA140283-5383-4364-BFA2-E725385003A9}" type="slidenum">
               <a:rPr lang="en-GB" smtClean="0"/>
-              <a:t>‹#›</a:t>
+              <a:t>‹Nº›</a:t>
             </a:fld>
             <a:endParaRPr lang="en-GB"/>
           </a:p>
@@ -2135,7 +2162,7 @@
           <a:p>
             <a:fld id="{0AF811FA-9E99-4BD6-BDB1-D476B95AB925}" type="datetimeFigureOut">
               <a:rPr lang="en-GB" smtClean="0"/>
-              <a:t>06/02/2025</a:t>
+              <a:t>19/02/2025</a:t>
             </a:fld>
             <a:endParaRPr lang="en-GB"/>
           </a:p>
@@ -2177,7 +2204,7 @@
           <a:p>
             <a:fld id="{DA140283-5383-4364-BFA2-E725385003A9}" type="slidenum">
               <a:rPr lang="en-GB" smtClean="0"/>
-              <a:t>‹#›</a:t>
+              <a:t>‹Nº›</a:t>
             </a:fld>
             <a:endParaRPr lang="en-GB"/>
           </a:p>
@@ -2230,7 +2257,7 @@
           <a:p>
             <a:fld id="{0AF811FA-9E99-4BD6-BDB1-D476B95AB925}" type="datetimeFigureOut">
               <a:rPr lang="en-GB" smtClean="0"/>
-              <a:t>06/02/2025</a:t>
+              <a:t>19/02/2025</a:t>
             </a:fld>
             <a:endParaRPr lang="en-GB"/>
           </a:p>
@@ -2272,7 +2299,7 @@
           <a:p>
             <a:fld id="{DA140283-5383-4364-BFA2-E725385003A9}" type="slidenum">
               <a:rPr lang="en-GB" smtClean="0"/>
-              <a:t>‹#›</a:t>
+              <a:t>‹Nº›</a:t>
             </a:fld>
             <a:endParaRPr lang="en-GB"/>
           </a:p>
@@ -2507,7 +2534,7 @@
           <a:p>
             <a:fld id="{0AF811FA-9E99-4BD6-BDB1-D476B95AB925}" type="datetimeFigureOut">
               <a:rPr lang="en-GB" smtClean="0"/>
-              <a:t>06/02/2025</a:t>
+              <a:t>19/02/2025</a:t>
             </a:fld>
             <a:endParaRPr lang="en-GB"/>
           </a:p>
@@ -2549,7 +2576,7 @@
           <a:p>
             <a:fld id="{DA140283-5383-4364-BFA2-E725385003A9}" type="slidenum">
               <a:rPr lang="en-GB" smtClean="0"/>
-              <a:t>‹#›</a:t>
+              <a:t>‹Nº›</a:t>
             </a:fld>
             <a:endParaRPr lang="en-GB"/>
           </a:p>
@@ -2764,7 +2791,7 @@
           <a:p>
             <a:fld id="{0AF811FA-9E99-4BD6-BDB1-D476B95AB925}" type="datetimeFigureOut">
               <a:rPr lang="en-GB" smtClean="0"/>
-              <a:t>06/02/2025</a:t>
+              <a:t>19/02/2025</a:t>
             </a:fld>
             <a:endParaRPr lang="en-GB"/>
           </a:p>
@@ -2806,7 +2833,7 @@
           <a:p>
             <a:fld id="{DA140283-5383-4364-BFA2-E725385003A9}" type="slidenum">
               <a:rPr lang="en-GB" smtClean="0"/>
-              <a:t>‹#›</a:t>
+              <a:t>‹Nº›</a:t>
             </a:fld>
             <a:endParaRPr lang="en-GB"/>
           </a:p>
@@ -2977,7 +3004,7 @@
           <a:p>
             <a:fld id="{0AF811FA-9E99-4BD6-BDB1-D476B95AB925}" type="datetimeFigureOut">
               <a:rPr lang="en-GB" smtClean="0"/>
-              <a:t>06/02/2025</a:t>
+              <a:t>19/02/2025</a:t>
             </a:fld>
             <a:endParaRPr lang="en-GB"/>
           </a:p>
@@ -3055,7 +3082,7 @@
           <a:p>
             <a:fld id="{DA140283-5383-4364-BFA2-E725385003A9}" type="slidenum">
               <a:rPr lang="en-GB" smtClean="0"/>
-              <a:t>‹#›</a:t>
+              <a:t>‹Nº›</a:t>
             </a:fld>
             <a:endParaRPr lang="en-GB"/>
           </a:p>
@@ -3397,7 +3424,7 @@
           <p:nvPr/>
         </p:nvPicPr>
         <p:blipFill>
-          <a:blip r:embed="rId2"/>
+          <a:blip r:embed="rId3"/>
           <a:srcRect l="19478" t="8052" r="18739" b="9571"/>
           <a:stretch/>
         </p:blipFill>
@@ -3426,7 +3453,7 @@
           <p:nvPr/>
         </p:nvPicPr>
         <p:blipFill>
-          <a:blip r:embed="rId3">
+          <a:blip r:embed="rId4">
             <a:extLst>
               <a:ext uri="{28A0092B-C50C-407E-A947-70E740481C1C}">
                 <a14:useLocalDpi xmlns:a14="http://schemas.microsoft.com/office/drawing/2010/main" val="0"/>
@@ -3519,7 +3546,7 @@
           <p:nvPr/>
         </p:nvPicPr>
         <p:blipFill>
-          <a:blip r:embed="rId4"/>
+          <a:blip r:embed="rId5"/>
           <a:srcRect l="27873" t="11344" r="27609" b="12308"/>
           <a:stretch/>
         </p:blipFill>
@@ -3548,7 +3575,7 @@
           <p:nvPr/>
         </p:nvPicPr>
         <p:blipFill>
-          <a:blip r:embed="rId5">
+          <a:blip r:embed="rId6">
             <a:extLst>
               <a:ext uri="{28A0092B-C50C-407E-A947-70E740481C1C}">
                 <a14:useLocalDpi xmlns:a14="http://schemas.microsoft.com/office/drawing/2010/main" val="0"/>
@@ -3595,7 +3622,7 @@
           <p:nvPr/>
         </p:nvPicPr>
         <p:blipFill>
-          <a:blip r:embed="rId4"/>
+          <a:blip r:embed="rId5"/>
           <a:srcRect l="27873" t="11344" r="27609" b="12308"/>
           <a:stretch/>
         </p:blipFill>
@@ -3619,6 +3646,11 @@
   <p:clrMapOvr>
     <a:masterClrMapping/>
   </p:clrMapOvr>
+  <p:extLst>
+    <p:ext uri="{6950BFC3-D8DA-4A85-94F7-54DA5524770B}">
+      <p188:commentRel xmlns:p188="http://schemas.microsoft.com/office/powerpoint/2018/8/main" r:id="rId2"/>
+    </p:ext>
+  </p:extLst>
 </p:sld>
 </file>
 

--- a/Doc/ESP32.pptx
+++ b/Doc/ESP32.pptx
@@ -534,6 +534,20 @@
       <pc:docMk/>
       <pc:sldMk cId="2591072468" sldId="358"/>
     </pc:sldMkLst>
+    <p188:replyLst>
+      <p188:reply id="{E3F0DC5A-2EB2-44BB-A3FD-96A1314F0C89}" authorId="{B5A6AD9A-7C1F-694E-DF41-3BCB21F9369A}" created="2025-02-19T00:14:40.925">
+        <p188:txBody>
+          <a:bodyPr/>
+          <a:lstStyle/>
+          <a:p>
+            <a:r>
+              <a:rPr lang="es-ES"/>
+              <a:t>Funciona?</a:t>
+            </a:r>
+          </a:p>
+        </p188:txBody>
+      </p188:reply>
+    </p188:replyLst>
     <p188:txBody>
       <a:bodyPr/>
       <a:lstStyle/>

--- a/Doc/ESP32.pptx
+++ b/Doc/ESP32.pptx
@@ -547,6 +547,30 @@
           </a:p>
         </p188:txBody>
       </p188:reply>
+      <p188:reply id="{BEA84C3D-2741-4642-80ED-7B00FA60D7E5}" authorId="{B5A6AD9A-7C1F-694E-DF41-3BCB21F9369A}" created="2025-02-19T00:17:24.389">
+        <p188:txBody>
+          <a:bodyPr/>
+          <a:lstStyle/>
+          <a:p>
+            <a:r>
+              <a:rPr lang="es-ES"/>
+              <a:t>☹️</a:t>
+            </a:r>
+          </a:p>
+        </p188:txBody>
+      </p188:reply>
+      <p188:reply id="{F2886D26-9A0A-463C-B344-5D53CCF8B018}" authorId="{B5A6AD9A-7C1F-694E-DF41-3BCB21F9369A}" created="2025-02-19T00:17:29.060">
+        <p188:txBody>
+          <a:bodyPr/>
+          <a:lstStyle/>
+          <a:p>
+            <a:r>
+              <a:rPr lang="es-ES"/>
+              <a:t>?</a:t>
+            </a:r>
+          </a:p>
+        </p188:txBody>
+      </p188:reply>
     </p188:replyLst>
     <p188:txBody>
       <a:bodyPr/>

--- a/Doc/ESP32.pptx
+++ b/Doc/ESP32.pptx
@@ -3674,6 +3674,42 @@
           </a:prstGeom>
         </p:spPr>
       </p:pic>
+      <p:pic>
+        <p:nvPicPr>
+          <p:cNvPr id="7" name="Imagen 6" descr="Imagen que contiene electrónica, computadora&#10;&#10;El contenido generado por IA puede ser incorrecto.">
+            <a:extLst>
+              <a:ext uri="{FF2B5EF4-FFF2-40B4-BE49-F238E27FC236}">
+                <a16:creationId xmlns:a16="http://schemas.microsoft.com/office/drawing/2014/main" id="{8AD215C0-22DA-8684-AE8E-8D4FDC11C7DB}"/>
+              </a:ext>
+            </a:extLst>
+          </p:cNvPr>
+          <p:cNvPicPr>
+            <a:picLocks noChangeAspect="1"/>
+          </p:cNvPicPr>
+          <p:nvPr/>
+        </p:nvPicPr>
+        <p:blipFill>
+          <a:blip r:embed="rId7">
+            <a:extLst>
+              <a:ext uri="{28A0092B-C50C-407E-A947-70E740481C1C}">
+                <a14:useLocalDpi xmlns:a14="http://schemas.microsoft.com/office/drawing/2010/main" val="0"/>
+              </a:ext>
+            </a:extLst>
+          </a:blip>
+          <a:stretch>
+            <a:fillRect/>
+          </a:stretch>
+        </p:blipFill>
+        <p:spPr>
+          <a:xfrm>
+            <a:off x="370931" y="3536504"/>
+            <a:ext cx="5050155" cy="3321496"/>
+          </a:xfrm>
+          <a:prstGeom prst="rect">
+            <a:avLst/>
+          </a:prstGeom>
+        </p:spPr>
+      </p:pic>
     </p:spTree>
     <p:extLst>
       <p:ext uri="{BB962C8B-B14F-4D97-AF65-F5344CB8AC3E}">
